--- a/e2e/fixtures/test-presentation.pptx
+++ b/e2e/fixtures/test-presentation.pptx
@@ -8,7 +8,6 @@
     <p:sldId id="256" r:id="rId7"/>
     <p:sldId id="257" r:id="rId8"/>
     <p:sldId id="258" r:id="rId9"/>
-    <p:sldId id="259" r:id="rId10"/>
   </p:sldIdLst>
   <p:sldSz cx="9144000" cy="6858000" type="screen4x3"/>
   <p:notesSz cx="6858000" cy="9144000"/>
@@ -3128,7 +3127,7 @@
           <a:lstStyle/>
           <a:p>
             <a:r>
-              <a:t>This is a test PowerPoint file for E2E testing</a:t>
+              <a:t>This is a test slide for E2E testing</a:t>
             </a:r>
           </a:p>
         </p:txBody>
@@ -3167,7 +3166,7 @@
           <a:lstStyle/>
           <a:p>
             <a:r>
-              <a:t>Slide 2: Content</a:t>
+              <a:t>Second Slide</a:t>
             </a:r>
           </a:p>
         </p:txBody>
@@ -3188,17 +3187,7 @@
           <a:lstStyle/>
           <a:p>
             <a:r>
-              <a:t>• First bullet point</a:t>
-            </a:r>
-          </a:p>
-          <a:p>
-            <a:r>
-              <a:t>• Second bullet point</a:t>
-            </a:r>
-          </a:p>
-          <a:p>
-            <a:r>
-              <a:t>• Third bullet point</a:t>
+              <a:t>Content for testing translation feature</a:t>
             </a:r>
           </a:p>
         </p:txBody>
@@ -3235,293 +3224,30 @@
         <p:txBody>
           <a:bodyPr/>
           <a:lstStyle/>
-          <a:p/>
-        </p:txBody>
-      </p:sp>
-      <p:sp>
-        <p:nvSpPr>
-          <p:cNvPr id="3" name="TextBox 2"/>
-          <p:cNvSpPr txBox="1"/>
-          <p:nvPr/>
-        </p:nvSpPr>
-        <p:spPr>
-          <a:xfrm>
-            <a:off x="914400" y="457200"/>
-            <a:ext cx="7315200" cy="914400"/>
-          </a:xfrm>
-          <a:prstGeom prst="rect">
-            <a:avLst/>
-          </a:prstGeom>
-          <a:noFill/>
-        </p:spPr>
-        <p:txBody>
-          <a:bodyPr wrap="none">
-            <a:spAutoFit/>
-          </a:bodyPr>
-          <a:lstStyle/>
-          <a:p>
-            <a:r>
-              <a:t>Slide 3: Table Example</a:t>
-            </a:r>
-          </a:p>
-        </p:txBody>
-      </p:sp>
-      <p:graphicFrame>
-        <p:nvGraphicFramePr>
-          <p:cNvPr id="4" name="Table 3"/>
-          <p:cNvGraphicFramePr>
-            <a:graphicFrameLocks noGrp="1"/>
-          </p:cNvGraphicFramePr>
-          <p:nvPr/>
-        </p:nvGraphicFramePr>
-        <p:xfrm>
-          <a:off x="1828800" y="1828800"/>
-          <a:ext cx="4572000" cy="2743200"/>
-        </p:xfrm>
-        <a:graphic>
-          <a:graphicData uri="http://schemas.openxmlformats.org/drawingml/2006/table">
-            <a:tbl>
-              <a:tblPr firstRow="1" bandRow="1">
-                <a:tableStyleId>{5C22544A-7EE6-4342-B048-85BDC9FD1C3A}</a:tableStyleId>
-              </a:tblPr>
-              <a:tblGrid>
-                <a:gridCol w="1524000"/>
-                <a:gridCol w="1524000"/>
-                <a:gridCol w="1524000"/>
-              </a:tblGrid>
-              <a:tr h="914400">
-                <a:tc>
-                  <a:txBody>
-                    <a:bodyPr/>
-                    <a:lstStyle/>
-                    <a:p>
-                      <a:r>
-                        <a:t>Header 1</a:t>
-                      </a:r>
-                    </a:p>
-                  </a:txBody>
-                  <a:tcPr/>
-                </a:tc>
-                <a:tc>
-                  <a:txBody>
-                    <a:bodyPr/>
-                    <a:lstStyle/>
-                    <a:p>
-                      <a:r>
-                        <a:t>Header 2</a:t>
-                      </a:r>
-                    </a:p>
-                  </a:txBody>
-                  <a:tcPr/>
-                </a:tc>
-                <a:tc>
-                  <a:txBody>
-                    <a:bodyPr/>
-                    <a:lstStyle/>
-                    <a:p>
-                      <a:r>
-                        <a:t>Header 3</a:t>
-                      </a:r>
-                    </a:p>
-                  </a:txBody>
-                  <a:tcPr/>
-                </a:tc>
-              </a:tr>
-              <a:tr h="914400">
-                <a:tc>
-                  <a:txBody>
-                    <a:bodyPr/>
-                    <a:lstStyle/>
-                    <a:p>
-                      <a:r>
-                        <a:t>Row 1, Col 1</a:t>
-                      </a:r>
-                    </a:p>
-                  </a:txBody>
-                  <a:tcPr/>
-                </a:tc>
-                <a:tc>
-                  <a:txBody>
-                    <a:bodyPr/>
-                    <a:lstStyle/>
-                    <a:p>
-                      <a:r>
-                        <a:t>Row 1, Col 2</a:t>
-                      </a:r>
-                    </a:p>
-                  </a:txBody>
-                  <a:tcPr/>
-                </a:tc>
-                <a:tc>
-                  <a:txBody>
-                    <a:bodyPr/>
-                    <a:lstStyle/>
-                    <a:p>
-                      <a:r>
-                        <a:t>Row 1, Col 3</a:t>
-                      </a:r>
-                    </a:p>
-                  </a:txBody>
-                  <a:tcPr/>
-                </a:tc>
-              </a:tr>
-              <a:tr h="914400">
-                <a:tc>
-                  <a:txBody>
-                    <a:bodyPr/>
-                    <a:lstStyle/>
-                    <a:p>
-                      <a:r>
-                        <a:t>Row 2, Col 1</a:t>
-                      </a:r>
-                    </a:p>
-                  </a:txBody>
-                  <a:tcPr/>
-                </a:tc>
-                <a:tc>
-                  <a:txBody>
-                    <a:bodyPr/>
-                    <a:lstStyle/>
-                    <a:p>
-                      <a:r>
-                        <a:t>Row 2, Col 2</a:t>
-                      </a:r>
-                    </a:p>
-                  </a:txBody>
-                  <a:tcPr/>
-                </a:tc>
-                <a:tc>
-                  <a:txBody>
-                    <a:bodyPr/>
-                    <a:lstStyle/>
-                    <a:p>
-                      <a:r>
-                        <a:t>Row 2, Col 3</a:t>
-                      </a:r>
-                    </a:p>
-                  </a:txBody>
-                  <a:tcPr/>
-                </a:tc>
-              </a:tr>
-            </a:tbl>
-          </a:graphicData>
-        </a:graphic>
-      </p:graphicFrame>
-    </p:spTree>
-  </p:cSld>
-  <p:clrMapOvr>
-    <a:masterClrMapping/>
-  </p:clrMapOvr>
-</p:sld>
-</file>
-
-<file path=ppt/slides/slide4.xml><?xml version="1.0" encoding="utf-8"?>
-<p:sld xmlns:a="http://schemas.openxmlformats.org/drawingml/2006/main" xmlns:p="http://schemas.openxmlformats.org/presentationml/2006/main" xmlns:r="http://schemas.openxmlformats.org/officeDocument/2006/relationships">
-  <p:cSld>
-    <p:spTree>
-      <p:nvGrpSpPr>
-        <p:cNvPr id="1" name=""/>
-        <p:cNvGrpSpPr/>
-        <p:nvPr/>
-      </p:nvGrpSpPr>
-      <p:grpSpPr/>
-      <p:sp>
-        <p:nvSpPr>
-          <p:cNvPr id="2" name="Title 1"/>
-          <p:cNvSpPr>
-            <a:spLocks noGrp="1"/>
-          </p:cNvSpPr>
-          <p:nvPr>
-            <p:ph type="title"/>
-          </p:nvPr>
-        </p:nvSpPr>
-        <p:spPr/>
-        <p:txBody>
-          <a:bodyPr/>
-          <a:lstStyle/>
-          <a:p/>
-        </p:txBody>
-      </p:sp>
-      <p:sp>
-        <p:nvSpPr>
-          <p:cNvPr id="3" name="TextBox 2"/>
-          <p:cNvSpPr txBox="1"/>
-          <p:nvPr/>
-        </p:nvSpPr>
-        <p:spPr>
-          <a:xfrm>
-            <a:off x="914400" y="914400"/>
-            <a:ext cx="2743200" cy="914400"/>
-          </a:xfrm>
-          <a:prstGeom prst="rect">
-            <a:avLst/>
-          </a:prstGeom>
-          <a:noFill/>
-        </p:spPr>
-        <p:txBody>
-          <a:bodyPr wrap="none">
-            <a:spAutoFit/>
-          </a:bodyPr>
-          <a:lstStyle/>
-          <a:p>
-            <a:r>
-              <a:t>Text Box 1</a:t>
-            </a:r>
-          </a:p>
-        </p:txBody>
-      </p:sp>
-      <p:sp>
-        <p:nvSpPr>
-          <p:cNvPr id="4" name="TextBox 3"/>
-          <p:cNvSpPr txBox="1"/>
-          <p:nvPr/>
-        </p:nvSpPr>
-        <p:spPr>
-          <a:xfrm>
-            <a:off x="4572000" y="914400"/>
-            <a:ext cx="2743200" cy="914400"/>
-          </a:xfrm>
-          <a:prstGeom prst="rect">
-            <a:avLst/>
-          </a:prstGeom>
-          <a:noFill/>
-        </p:spPr>
-        <p:txBody>
-          <a:bodyPr wrap="none">
-            <a:spAutoFit/>
-          </a:bodyPr>
-          <a:lstStyle/>
-          <a:p>
-            <a:r>
-              <a:t>Text Box 2</a:t>
-            </a:r>
-          </a:p>
-        </p:txBody>
-      </p:sp>
-      <p:sp>
-        <p:nvSpPr>
-          <p:cNvPr id="5" name="TextBox 4"/>
-          <p:cNvSpPr txBox="1"/>
-          <p:nvPr/>
-        </p:nvSpPr>
-        <p:spPr>
-          <a:xfrm>
-            <a:off x="914400" y="2743200"/>
-            <a:ext cx="6400800" cy="1828800"/>
-          </a:xfrm>
-          <a:prstGeom prst="rect">
-            <a:avLst/>
-          </a:prstGeom>
-          <a:noFill/>
-        </p:spPr>
-        <p:txBody>
-          <a:bodyPr wrap="none">
-            <a:spAutoFit/>
-          </a:bodyPr>
-          <a:lstStyle/>
-          <a:p>
-            <a:r>
-              <a:t>This is a longer text that demonstrates how the extraction works with multiple lines of text in a single text box.</a:t>
+          <a:p>
+            <a:r>
+              <a:t>Third Slide</a:t>
+            </a:r>
+          </a:p>
+        </p:txBody>
+      </p:sp>
+      <p:sp>
+        <p:nvSpPr>
+          <p:cNvPr id="3" name="Content Placeholder 2"/>
+          <p:cNvSpPr>
+            <a:spLocks noGrp="1"/>
+          </p:cNvSpPr>
+          <p:nvPr>
+            <p:ph idx="1"/>
+          </p:nvPr>
+        </p:nvSpPr>
+        <p:spPr/>
+        <p:txBody>
+          <a:bodyPr/>
+          <a:lstStyle/>
+          <a:p>
+            <a:r>
+              <a:t>Additional content to test multiple slides</a:t>
             </a:r>
           </a:p>
         </p:txBody>
